--- a/プレゼンテーション.pptx
+++ b/プレゼンテーション.pptx
@@ -113,6 +113,18 @@
     </p:ext>
   </p:extLst>
 </p:presentation>
+</file>
+
+<file path=ppt/commentAuthors.xml><?xml version="1.0" encoding="utf-8"?>
+<p:cmAuthorLst xmlns:a="http://schemas.openxmlformats.org/drawingml/2006/main" xmlns:r="http://schemas.openxmlformats.org/officeDocument/2006/relationships" xmlns:p="http://schemas.openxmlformats.org/presentationml/2006/main">
+  <p:cmAuthor id="1" name="仲田　伊織" initials="仲田　伊織" lastIdx="1" clrIdx="0">
+    <p:extLst>
+      <p:ext uri="{19B8F6BF-5375-455C-9EA6-DF929625EA0E}">
+        <p15:presenceInfo xmlns:p15="http://schemas.microsoft.com/office/powerpoint/2012/main" userId="S::fko2347087@stu.o-hara.ac.jp::b509cfd3-ff17-45b7-bf03-425a22f99bad" providerId="AD"/>
+      </p:ext>
+    </p:extLst>
+  </p:cmAuthor>
+</p:cmAuthorLst>
 </file>
 
 <file path=ppt/changesInfos/changesInfo1.xml><?xml version="1.0" encoding="utf-8"?>
@@ -392,6 +404,20 @@
     </pc:docChg>
   </pc:docChgLst>
 </pc:chgInfo>
+</file>
+
+<file path=ppt/comments/comment1.xml><?xml version="1.0" encoding="utf-8"?>
+<p:cmLst xmlns:a="http://schemas.openxmlformats.org/drawingml/2006/main" xmlns:r="http://schemas.openxmlformats.org/officeDocument/2006/relationships" xmlns:p="http://schemas.openxmlformats.org/presentationml/2006/main">
+  <p:cm authorId="1" dt="2023-09-13T16:35:05.869" idx="1">
+    <p:pos x="10" y="10"/>
+    <p:text/>
+    <p:extLst>
+      <p:ext uri="{C676402C-5697-4E1C-873F-D02D1690AC5C}">
+        <p15:threadingInfo xmlns:p15="http://schemas.microsoft.com/office/powerpoint/2012/main" timeZoneBias="-540"/>
+      </p:ext>
+    </p:extLst>
+  </p:cm>
+</p:cmLst>
 </file>
 
 <file path=ppt/slideLayouts/slideLayout1.xml><?xml version="1.0" encoding="utf-8"?>
@@ -5278,7 +5304,7 @@
             </a:pPr>
             <a:r>
               <a:rPr lang="ja-JP" altLang="en-US" sz="2800" dirty="0"/>
-              <a:t>一つの操作で二つの物体が同時に動く</a:t>
+              <a:t>二つの物体が同時に動く</a:t>
             </a:r>
             <a:endParaRPr kumimoji="1" lang="ja-JP" altLang="en-US" sz="2800" dirty="0"/>
           </a:p>
@@ -5576,10 +5602,10 @@
       </p:sp>
       <p:sp>
         <p:nvSpPr>
-          <p:cNvPr id="6" name="テキスト ボックス 5">
+          <p:cNvPr id="4" name="テキスト ボックス 3">
             <a:extLst>
               <a:ext uri="{FF2B5EF4-FFF2-40B4-BE49-F238E27FC236}">
-                <a16:creationId xmlns:a16="http://schemas.microsoft.com/office/drawing/2014/main" id="{CAB7F6AA-0AE0-4125-964B-9DCBBFE76AB9}"/>
+                <a16:creationId xmlns:a16="http://schemas.microsoft.com/office/drawing/2014/main" id="{F3C71A58-5279-49BC-AAF1-868F0F7CCF1B}"/>
               </a:ext>
             </a:extLst>
           </p:cNvPr>
@@ -5588,8 +5614,8 @@
         </p:nvSpPr>
         <p:spPr>
           <a:xfrm>
-            <a:off x="1642533" y="2449281"/>
-            <a:ext cx="5003800" cy="646331"/>
+            <a:off x="1455313" y="2621197"/>
+            <a:ext cx="4958366" cy="646331"/>
           </a:xfrm>
           <a:prstGeom prst="rect">
             <a:avLst/>
@@ -5603,17 +5629,16 @@
           <a:lstStyle/>
           <a:p>
             <a:r>
+              <a:rPr lang="ja-JP" altLang="en-US" dirty="0"/>
+              <a:t>カメラの向いている方向に前進する物体を</a:t>
+            </a:r>
+            <a:endParaRPr lang="en-US" altLang="ja-JP" dirty="0"/>
+          </a:p>
+          <a:p>
+            <a:r>
               <a:rPr kumimoji="1" lang="ja-JP" altLang="en-US" dirty="0"/>
-              <a:t>二つの物体を同時に動かしてそれぞれの物体を</a:t>
-            </a:r>
-            <a:endParaRPr kumimoji="1" lang="en-US" altLang="ja-JP" dirty="0"/>
-          </a:p>
-          <a:p>
-            <a:r>
-              <a:rPr lang="ja-JP" altLang="en-US" dirty="0"/>
-              <a:t>ゴールさせる</a:t>
-            </a:r>
-            <a:endParaRPr kumimoji="1" lang="en-US" altLang="ja-JP" dirty="0"/>
+              <a:t>同時にゴールに入れるためにカメラを操作しよう</a:t>
+            </a:r>
           </a:p>
         </p:txBody>
       </p:sp>
@@ -6457,7 +6482,7 @@
         </p:nvSpPr>
         <p:spPr>
           <a:xfrm>
-            <a:off x="6163596" y="3368926"/>
+            <a:off x="6248262" y="3428023"/>
             <a:ext cx="3014134" cy="369332"/>
           </a:xfrm>
           <a:prstGeom prst="rect">
@@ -6472,14 +6497,155 @@
           <a:lstStyle/>
           <a:p>
             <a:r>
-              <a:rPr lang="en-US" altLang="ja-JP" dirty="0"/>
-              <a:t>Y</a:t>
-            </a:r>
-            <a:r>
               <a:rPr lang="ja-JP" altLang="en-US" dirty="0"/>
-              <a:t>軸も利用して移動したり</a:t>
+              <a:t>テレポートしたり</a:t>
             </a:r>
             <a:endParaRPr kumimoji="1" lang="ja-JP" altLang="en-US" dirty="0"/>
+          </a:p>
+        </p:txBody>
+      </p:sp>
+      <p:sp>
+        <p:nvSpPr>
+          <p:cNvPr id="14" name="楕円 13">
+            <a:extLst>
+              <a:ext uri="{FF2B5EF4-FFF2-40B4-BE49-F238E27FC236}">
+                <a16:creationId xmlns:a16="http://schemas.microsoft.com/office/drawing/2014/main" id="{F0BB8248-AE57-4A50-858B-9240BC5170AF}"/>
+              </a:ext>
+            </a:extLst>
+          </p:cNvPr>
+          <p:cNvSpPr/>
+          <p:nvPr/>
+        </p:nvSpPr>
+        <p:spPr>
+          <a:xfrm>
+            <a:off x="9411610" y="4765522"/>
+            <a:ext cx="911885" cy="911885"/>
+          </a:xfrm>
+          <a:prstGeom prst="ellipse">
+            <a:avLst/>
+          </a:prstGeom>
+        </p:spPr>
+        <p:style>
+          <a:lnRef idx="2">
+            <a:schemeClr val="accent1">
+              <a:shade val="15000"/>
+            </a:schemeClr>
+          </a:lnRef>
+          <a:fillRef idx="1">
+            <a:schemeClr val="accent1"/>
+          </a:fillRef>
+          <a:effectRef idx="0">
+            <a:schemeClr val="accent1"/>
+          </a:effectRef>
+          <a:fontRef idx="minor">
+            <a:schemeClr val="lt1"/>
+          </a:fontRef>
+        </p:style>
+        <p:txBody>
+          <a:bodyPr rot="0" spcFirstLastPara="0" vert="horz" wrap="square" lIns="91440" tIns="45720" rIns="91440" bIns="45720" numCol="1" spcCol="0" rtlCol="0" fromWordArt="0" anchor="ctr" anchorCtr="0" forceAA="0" compatLnSpc="1">
+            <a:prstTxWarp prst="textNoShape">
+              <a:avLst/>
+            </a:prstTxWarp>
+            <a:noAutofit/>
+          </a:bodyPr>
+          <a:lstStyle>
+            <a:defPPr>
+              <a:defRPr lang="ja-JP"/>
+            </a:defPPr>
+            <a:lvl1pPr marL="0" algn="l" defTabSz="914400" rtl="0" eaLnBrk="1" latinLnBrk="0" hangingPunct="1">
+              <a:defRPr kumimoji="1" sz="1800" kern="1200">
+                <a:solidFill>
+                  <a:schemeClr val="lt1"/>
+                </a:solidFill>
+                <a:latin typeface="+mn-lt"/>
+                <a:ea typeface="+mn-ea"/>
+                <a:cs typeface="+mn-cs"/>
+              </a:defRPr>
+            </a:lvl1pPr>
+            <a:lvl2pPr marL="457200" algn="l" defTabSz="914400" rtl="0" eaLnBrk="1" latinLnBrk="0" hangingPunct="1">
+              <a:defRPr kumimoji="1" sz="1800" kern="1200">
+                <a:solidFill>
+                  <a:schemeClr val="lt1"/>
+                </a:solidFill>
+                <a:latin typeface="+mn-lt"/>
+                <a:ea typeface="+mn-ea"/>
+                <a:cs typeface="+mn-cs"/>
+              </a:defRPr>
+            </a:lvl2pPr>
+            <a:lvl3pPr marL="914400" algn="l" defTabSz="914400" rtl="0" eaLnBrk="1" latinLnBrk="0" hangingPunct="1">
+              <a:defRPr kumimoji="1" sz="1800" kern="1200">
+                <a:solidFill>
+                  <a:schemeClr val="lt1"/>
+                </a:solidFill>
+                <a:latin typeface="+mn-lt"/>
+                <a:ea typeface="+mn-ea"/>
+                <a:cs typeface="+mn-cs"/>
+              </a:defRPr>
+            </a:lvl3pPr>
+            <a:lvl4pPr marL="1371600" algn="l" defTabSz="914400" rtl="0" eaLnBrk="1" latinLnBrk="0" hangingPunct="1">
+              <a:defRPr kumimoji="1" sz="1800" kern="1200">
+                <a:solidFill>
+                  <a:schemeClr val="lt1"/>
+                </a:solidFill>
+                <a:latin typeface="+mn-lt"/>
+                <a:ea typeface="+mn-ea"/>
+                <a:cs typeface="+mn-cs"/>
+              </a:defRPr>
+            </a:lvl4pPr>
+            <a:lvl5pPr marL="1828800" algn="l" defTabSz="914400" rtl="0" eaLnBrk="1" latinLnBrk="0" hangingPunct="1">
+              <a:defRPr kumimoji="1" sz="1800" kern="1200">
+                <a:solidFill>
+                  <a:schemeClr val="lt1"/>
+                </a:solidFill>
+                <a:latin typeface="+mn-lt"/>
+                <a:ea typeface="+mn-ea"/>
+                <a:cs typeface="+mn-cs"/>
+              </a:defRPr>
+            </a:lvl5pPr>
+            <a:lvl6pPr marL="2286000" algn="l" defTabSz="914400" rtl="0" eaLnBrk="1" latinLnBrk="0" hangingPunct="1">
+              <a:defRPr kumimoji="1" sz="1800" kern="1200">
+                <a:solidFill>
+                  <a:schemeClr val="lt1"/>
+                </a:solidFill>
+                <a:latin typeface="+mn-lt"/>
+                <a:ea typeface="+mn-ea"/>
+                <a:cs typeface="+mn-cs"/>
+              </a:defRPr>
+            </a:lvl6pPr>
+            <a:lvl7pPr marL="2743200" algn="l" defTabSz="914400" rtl="0" eaLnBrk="1" latinLnBrk="0" hangingPunct="1">
+              <a:defRPr kumimoji="1" sz="1800" kern="1200">
+                <a:solidFill>
+                  <a:schemeClr val="lt1"/>
+                </a:solidFill>
+                <a:latin typeface="+mn-lt"/>
+                <a:ea typeface="+mn-ea"/>
+                <a:cs typeface="+mn-cs"/>
+              </a:defRPr>
+            </a:lvl7pPr>
+            <a:lvl8pPr marL="3200400" algn="l" defTabSz="914400" rtl="0" eaLnBrk="1" latinLnBrk="0" hangingPunct="1">
+              <a:defRPr kumimoji="1" sz="1800" kern="1200">
+                <a:solidFill>
+                  <a:schemeClr val="lt1"/>
+                </a:solidFill>
+                <a:latin typeface="+mn-lt"/>
+                <a:ea typeface="+mn-ea"/>
+                <a:cs typeface="+mn-cs"/>
+              </a:defRPr>
+            </a:lvl8pPr>
+            <a:lvl9pPr marL="3657600" algn="l" defTabSz="914400" rtl="0" eaLnBrk="1" latinLnBrk="0" hangingPunct="1">
+              <a:defRPr kumimoji="1" sz="1800" kern="1200">
+                <a:solidFill>
+                  <a:schemeClr val="lt1"/>
+                </a:solidFill>
+                <a:latin typeface="+mn-lt"/>
+                <a:ea typeface="+mn-ea"/>
+                <a:cs typeface="+mn-cs"/>
+              </a:defRPr>
+            </a:lvl9pPr>
+          </a:lstStyle>
+          <a:p>
+            <a:pPr algn="ctr"/>
+            <a:endParaRPr lang="ja-JP" altLang="en-US"/>
           </a:p>
         </p:txBody>
       </p:sp>
@@ -6682,24 +6848,74 @@
                             </p:stCondLst>
                             <p:childTnLst>
                               <p:par>
-                                <p:cTn id="21" presetID="37" presetClass="path" presetSubtype="0" accel="50000" decel="50000" fill="hold" grpId="0" nodeType="clickEffect">
+                                <p:cTn id="21" presetID="1" presetClass="exit" presetSubtype="0" fill="hold" grpId="0" nodeType="clickEffect">
                                   <p:stCondLst>
                                     <p:cond delay="0"/>
                                   </p:stCondLst>
                                   <p:childTnLst>
-                                    <p:animMotion origin="layout" path="M 0.00065 -0.00115 L 0.06771 -0.1081 C 0.08164 -0.13217 0.10261 -0.14514 0.12461 -0.14514 C 0.14961 -0.14514 0.16966 -0.13217 0.1836 -0.1081 L 0.25065 -0.00115 " pathEditMode="relative" rAng="0" ptsTypes="AAAAA">
+                                    <p:set>
                                       <p:cBhvr>
-                                        <p:cTn id="22" dur="2000" fill="hold"/>
+                                        <p:cTn id="22" dur="1" fill="hold">
+                                          <p:stCondLst>
+                                            <p:cond delay="0"/>
+                                          </p:stCondLst>
+                                        </p:cTn>
                                         <p:tgtEl>
                                           <p:spTgt spid="11"/>
                                         </p:tgtEl>
                                         <p:attrNameLst>
-                                          <p:attrName>ppt_x</p:attrName>
-                                          <p:attrName>ppt_y</p:attrName>
+                                          <p:attrName>style.visibility</p:attrName>
                                         </p:attrNameLst>
                                       </p:cBhvr>
-                                      <p:rCtr x="12500" y="-7199"/>
-                                    </p:animMotion>
+                                      <p:to>
+                                        <p:strVal val="hidden"/>
+                                      </p:to>
+                                    </p:set>
+                                  </p:childTnLst>
+                                </p:cTn>
+                              </p:par>
+                            </p:childTnLst>
+                          </p:cTn>
+                        </p:par>
+                      </p:childTnLst>
+                    </p:cTn>
+                  </p:par>
+                  <p:par>
+                    <p:cTn id="23" fill="hold">
+                      <p:stCondLst>
+                        <p:cond delay="indefinite"/>
+                      </p:stCondLst>
+                      <p:childTnLst>
+                        <p:par>
+                          <p:cTn id="24" fill="hold">
+                            <p:stCondLst>
+                              <p:cond delay="0"/>
+                            </p:stCondLst>
+                            <p:childTnLst>
+                              <p:par>
+                                <p:cTn id="25" presetID="1" presetClass="entr" presetSubtype="0" fill="hold" grpId="0" nodeType="clickEffect">
+                                  <p:stCondLst>
+                                    <p:cond delay="0"/>
+                                  </p:stCondLst>
+                                  <p:childTnLst>
+                                    <p:set>
+                                      <p:cBhvr>
+                                        <p:cTn id="26" dur="1" fill="hold">
+                                          <p:stCondLst>
+                                            <p:cond delay="0"/>
+                                          </p:stCondLst>
+                                        </p:cTn>
+                                        <p:tgtEl>
+                                          <p:spTgt spid="14"/>
+                                        </p:tgtEl>
+                                        <p:attrNameLst>
+                                          <p:attrName>style.visibility</p:attrName>
+                                        </p:attrNameLst>
+                                      </p:cBhvr>
+                                      <p:to>
+                                        <p:strVal val="visible"/>
+                                      </p:to>
+                                    </p:set>
                                   </p:childTnLst>
                                 </p:cTn>
                               </p:par>
@@ -6736,6 +6952,7 @@
       <p:bldP spid="10" grpId="0" animBg="1"/>
       <p:bldP spid="11" grpId="0" animBg="1"/>
       <p:bldP spid="13" grpId="0"/>
+      <p:bldP spid="14" grpId="0" animBg="1"/>
     </p:bldLst>
   </p:timing>
 </p:sld>
